--- a/demo/output/Demo.pptx
+++ b/demo/output/Demo.pptx
@@ -161,7 +161,7 @@
     <p:bg>
       <p:bgPr>
         <a:solidFill>
-          <a:srgbClr val="002D72"/>
+          <a:schemeClr val="tx1"/>
         </a:solidFill>
         <a:effectLst/>
       </p:bgPr>
@@ -185,7 +185,7 @@
           <p:cNvPr id="2" name="Title 1">
             <a:extLst>
               <a:ext uri="{FF2B5EF4-FFF2-40B4-BE49-F238E27FC236}">
-                <a16:creationId xmlns:a16="http://schemas.microsoft.com/office/drawing/2014/main" xmlns="" id="{D3294C78-BE07-491F-A032-2A37CC349815}"/>
+                <a16:creationId xmlns="" xmlns:a16="http://schemas.microsoft.com/office/drawing/2014/main" id="{D3294C78-BE07-491F-A032-2A37CC349815}"/>
               </a:ext>
             </a:extLst>
           </p:cNvPr>
@@ -222,6 +222,9 @@
                 <a:spcPts val="750"/>
               </a:spcBef>
               <a:defRPr sz="3600">
+                <a:solidFill>
+                  <a:srgbClr val="666666"/>
+                </a:solidFill>
                 <a:latin typeface="Georgia" panose="02040502050405020303" pitchFamily="18" charset="0"/>
               </a:defRPr>
             </a:lvl1pPr>
@@ -250,7 +253,7 @@
     <p:bg>
       <p:bgPr>
         <a:solidFill>
-          <a:srgbClr val="002D72"/>
+          <a:schemeClr val="tx1"/>
         </a:solidFill>
         <a:effectLst/>
       </p:bgPr>
@@ -274,7 +277,7 @@
           <p:cNvPr id="2" name="Title 1">
             <a:extLst>
               <a:ext uri="{FF2B5EF4-FFF2-40B4-BE49-F238E27FC236}">
-                <a16:creationId xmlns:a16="http://schemas.microsoft.com/office/drawing/2014/main" xmlns="" id="{D3294C78-BE07-491F-A032-2A37CC349815}"/>
+                <a16:creationId xmlns="" xmlns:a16="http://schemas.microsoft.com/office/drawing/2014/main" id="{D3294C78-BE07-491F-A032-2A37CC349815}"/>
               </a:ext>
             </a:extLst>
           </p:cNvPr>
@@ -287,14 +290,12 @@
         </p:nvSpPr>
         <p:spPr>
           <a:xfrm>
-            <a:off x="2690236" y="895352"/>
-            <a:ext cx="5657223" cy="547662"/>
+            <a:off x="342453" y="1650098"/>
+            <a:ext cx="5033416" cy="547662"/>
           </a:xfrm>
           <a:effectLst>
-            <a:outerShdw blurRad="50800" dist="38100" dir="2700000" algn="tl" rotWithShape="0">
-              <a:prstClr val="black">
-                <a:alpha val="40000"/>
-              </a:prstClr>
+            <a:outerShdw sx="1000" sy="1000" algn="tl" rotWithShape="0">
+              <a:prstClr val="black"/>
             </a:outerShdw>
           </a:effectLst>
         </p:spPr>
@@ -304,7 +305,17 @@
           </a:bodyPr>
           <a:lstStyle>
             <a:lvl1pPr algn="l">
-              <a:defRPr sz="4100" b="1" baseline="0">
+              <a:defRPr sz="4100" b="0" cap="none" spc="0" baseline="0">
+                <a:ln w="12700">
+                  <a:solidFill>
+                    <a:srgbClr val="008C95"/>
+                  </a:solidFill>
+                  <a:prstDash val="solid"/>
+                </a:ln>
+                <a:solidFill>
+                  <a:srgbClr val="B1B3B3"/>
+                </a:solidFill>
+                <a:effectLst/>
                 <a:latin typeface="Poppins" panose="020B0604020202020204" charset="0"/>
                 <a:cs typeface="Poppins" panose="020B0604020202020204" charset="0"/>
               </a:defRPr>
@@ -324,7 +335,7 @@
           <p:cNvPr id="3" name="Subtitle 2">
             <a:extLst>
               <a:ext uri="{FF2B5EF4-FFF2-40B4-BE49-F238E27FC236}">
-                <a16:creationId xmlns:a16="http://schemas.microsoft.com/office/drawing/2014/main" xmlns="" id="{598EE6FA-B4F6-4123-A270-0B343218A1E6}"/>
+                <a16:creationId xmlns="" xmlns:a16="http://schemas.microsoft.com/office/drawing/2014/main" id="{598EE6FA-B4F6-4123-A270-0B343218A1E6}"/>
               </a:ext>
             </a:extLst>
           </p:cNvPr>
@@ -337,14 +348,12 @@
         </p:nvSpPr>
         <p:spPr>
           <a:xfrm>
-            <a:off x="2690235" y="2235802"/>
-            <a:ext cx="5657224" cy="827351"/>
+            <a:off x="389350" y="2254155"/>
+            <a:ext cx="4986519" cy="586568"/>
           </a:xfrm>
           <a:effectLst>
-            <a:outerShdw blurRad="50800" dist="38100" dir="2700000" algn="tl" rotWithShape="0">
-              <a:prstClr val="black">
-                <a:alpha val="40000"/>
-              </a:prstClr>
+            <a:outerShdw sx="1000" sy="1000" algn="tl" rotWithShape="0">
+              <a:prstClr val="black"/>
             </a:outerShdw>
           </a:effectLst>
         </p:spPr>
@@ -355,7 +364,11 @@
           <a:lstStyle>
             <a:lvl1pPr marL="0" indent="0" algn="l">
               <a:buNone/>
-              <a:defRPr sz="2800" baseline="0">
+              <a:defRPr sz="1400" baseline="0">
+                <a:solidFill>
+                  <a:srgbClr val="666666"/>
+                </a:solidFill>
+                <a:effectLst/>
                 <a:latin typeface="Poppins" panose="020B0604020202020204" charset="0"/>
                 <a:cs typeface="Poppins" panose="020B0604020202020204" charset="0"/>
               </a:defRPr>
@@ -396,7 +409,7 @@
           <a:p>
             <a:r>
               <a:rPr lang="en-US" dirty="0" smtClean="0"/>
-              <a:t>Major Goes Here</a:t>
+              <a:t>Major</a:t>
             </a:r>
             <a:endParaRPr lang="en-US" dirty="0" smtClean="0"/>
           </a:p>
@@ -407,7 +420,7 @@
           <p:cNvPr id="7" name="Picture Placeholder 7">
             <a:extLst>
               <a:ext uri="{FF2B5EF4-FFF2-40B4-BE49-F238E27FC236}">
-                <a16:creationId xmlns:a16="http://schemas.microsoft.com/office/drawing/2014/main" xmlns="" id="{D924A935-DD47-42C1-B9D0-48338B7054FC}"/>
+                <a16:creationId xmlns="" xmlns:a16="http://schemas.microsoft.com/office/drawing/2014/main" id="{D924A935-DD47-42C1-B9D0-48338B7054FC}"/>
               </a:ext>
             </a:extLst>
           </p:cNvPr>
@@ -420,8 +433,8 @@
         </p:nvSpPr>
         <p:spPr>
           <a:xfrm>
-            <a:off x="341643" y="866776"/>
-            <a:ext cx="2130251" cy="3573462"/>
+            <a:off x="5727560" y="881098"/>
+            <a:ext cx="2632669" cy="3741143"/>
           </a:xfrm>
           <a:prstGeom prst="rect">
             <a:avLst/>
@@ -453,22 +466,24 @@
             <a:spLocks noGrp="1"/>
           </p:cNvSpPr>
           <p:nvPr>
-            <p:ph type="body" sz="quarter" idx="11" hasCustomPrompt="1"/>
-          </p:nvPr>
-        </p:nvSpPr>
-        <p:spPr>
-          <a:xfrm>
-            <a:off x="2686199" y="3566324"/>
-            <a:ext cx="5661260" cy="845652"/>
-          </a:xfrm>
-        </p:spPr>
-        <p:txBody>
-          <a:bodyPr/>
+            <p:ph type="body" sz="quarter" idx="11"/>
+          </p:nvPr>
+        </p:nvSpPr>
+        <p:spPr>
+          <a:xfrm>
+            <a:off x="389350" y="3220491"/>
+            <a:ext cx="4986520" cy="845652"/>
+          </a:xfrm>
+        </p:spPr>
+        <p:txBody>
+          <a:bodyPr>
+            <a:normAutofit/>
+          </a:bodyPr>
           <a:lstStyle>
             <a:lvl1pPr>
-              <a:defRPr sz="2800" b="0" baseline="0">
+              <a:defRPr sz="1300" b="0" baseline="0">
                 <a:solidFill>
-                  <a:schemeClr val="tx1"/>
+                  <a:srgbClr val="666666"/>
                 </a:solidFill>
                 <a:latin typeface="Poppins" panose="020B0604020202020204" charset="0"/>
                 <a:ea typeface="Poppins" panose="020B0604020202020204" charset="0"/>
@@ -484,76 +499,20 @@
           </a:lstStyle>
           <a:p>
             <a:pPr lvl="0"/>
-            <a:r>
-              <a:rPr lang="en-US" dirty="0" smtClean="0"/>
-              <a:t>Honors Go Here</a:t>
-            </a:r>
             <a:endParaRPr lang="en-US" dirty="0" smtClean="0"/>
           </a:p>
         </p:txBody>
       </p:sp>
-      <p:cxnSp>
-        <p:nvCxnSpPr>
-          <p:cNvPr id="10" name="Google Shape;56;p13"/>
-          <p:cNvCxnSpPr/>
-          <p:nvPr userDrawn="1"/>
-        </p:nvCxnSpPr>
-        <p:spPr>
-          <a:xfrm rot="10800000" flipH="1">
-            <a:off x="-19050" y="476100"/>
-            <a:ext cx="9182100" cy="19200"/>
-          </a:xfrm>
-          <a:prstGeom prst="straightConnector1">
-            <a:avLst/>
-          </a:prstGeom>
-          <a:noFill/>
-          <a:ln w="38100" cap="flat" cmpd="sng">
-            <a:solidFill>
-              <a:srgbClr val="F3D54E"/>
-            </a:solidFill>
-            <a:prstDash val="solid"/>
-            <a:round/>
-            <a:headEnd type="none" w="med" len="med"/>
-            <a:tailEnd type="none" w="med" len="med"/>
-          </a:ln>
-        </p:spPr>
-      </p:cxnSp>
-      <p:cxnSp>
-        <p:nvCxnSpPr>
-          <p:cNvPr id="12" name="Google Shape;58;p13"/>
-          <p:cNvCxnSpPr/>
-          <p:nvPr userDrawn="1"/>
-        </p:nvCxnSpPr>
-        <p:spPr>
-          <a:xfrm rot="10800000" flipH="1">
-            <a:off x="-42900" y="4702675"/>
-            <a:ext cx="9229800" cy="16800"/>
-          </a:xfrm>
-          <a:prstGeom prst="straightConnector1">
-            <a:avLst/>
-          </a:prstGeom>
-          <a:noFill/>
-          <a:ln w="38100" cap="flat" cmpd="sng">
-            <a:solidFill>
-              <a:srgbClr val="F3D54E"/>
-            </a:solidFill>
-            <a:prstDash val="solid"/>
-            <a:round/>
-            <a:headEnd type="none" w="med" len="med"/>
-            <a:tailEnd type="none" w="med" len="med"/>
-          </a:ln>
-        </p:spPr>
-      </p:cxnSp>
-      <p:sp>
-        <p:nvSpPr>
-          <p:cNvPr id="14" name="Google Shape;77;p14"/>
+      <p:sp>
+        <p:nvSpPr>
+          <p:cNvPr id="13" name="Google Shape;68;p2"/>
           <p:cNvSpPr txBox="1"/>
           <p:nvPr userDrawn="1"/>
         </p:nvSpPr>
         <p:spPr>
           <a:xfrm>
-            <a:off x="-42900" y="4702675"/>
-            <a:ext cx="9182100" cy="307500"/>
+            <a:off x="389350" y="2883307"/>
+            <a:ext cx="2486100" cy="294600"/>
           </a:xfrm>
           <a:prstGeom prst="rect">
             <a:avLst/>
@@ -569,7 +528,10 @@
           </a:bodyPr>
           <a:lstStyle/>
           <a:p>
-            <a:pPr marL="0" lvl="0" indent="0" algn="ctr" rtl="0">
+            <a:pPr marL="0" marR="0" lvl="0" indent="0" algn="l" rtl="0">
+              <a:lnSpc>
+                <a:spcPct val="100000"/>
+              </a:lnSpc>
               <a:spcBef>
                 <a:spcPts val="0"/>
               </a:spcBef>
@@ -577,36 +539,92 @@
                 <a:spcPts val="0"/>
               </a:spcAft>
               <a:buClr>
-                <a:schemeClr val="dk1"/>
+                <a:srgbClr val="000000"/>
               </a:buClr>
-              <a:buSzPts val="1100"/>
+              <a:buSzPts val="1300"/>
               <a:buFont typeface="Arial"/>
               <a:buNone/>
             </a:pPr>
             <a:r>
-              <a:rPr lang="en" sz="2400" b="1" dirty="0">
+              <a:rPr lang="en" sz="1300" b="1" i="0" u="none" strike="noStrike" cap="none" dirty="0">
                 <a:solidFill>
-                  <a:srgbClr val="F3D54E"/>
+                  <a:srgbClr val="666666"/>
                 </a:solidFill>
                 <a:latin typeface="Poppins"/>
                 <a:ea typeface="Poppins"/>
                 <a:cs typeface="Poppins"/>
                 <a:sym typeface="Poppins"/>
               </a:rPr>
-              <a:t>#UTULSA  #UTULSAALUMNI   #WEDIDIT!</a:t>
-            </a:r>
-            <a:endParaRPr sz="2400" b="1" dirty="0">
+              <a:t>STUDENT STATEMENT:</a:t>
+            </a:r>
+            <a:endParaRPr sz="1400" b="0" i="0" u="none" strike="noStrike" cap="none" dirty="0">
               <a:solidFill>
-                <a:srgbClr val="F3D54E"/>
+                <a:srgbClr val="666666"/>
               </a:solidFill>
-              <a:latin typeface="Poppins"/>
-              <a:ea typeface="Poppins"/>
-              <a:cs typeface="Poppins"/>
-              <a:sym typeface="Poppins"/>
+              <a:latin typeface="Arial"/>
+              <a:ea typeface="Arial"/>
+              <a:cs typeface="Arial"/>
+              <a:sym typeface="Arial"/>
             </a:endParaRPr>
           </a:p>
-          <a:p>
-            <a:pPr marL="0" lvl="0" indent="0" algn="l" rtl="0">
+        </p:txBody>
+      </p:sp>
+      <p:pic>
+        <p:nvPicPr>
+          <p:cNvPr id="18" name="Google Shape;72;p2"/>
+          <p:cNvPicPr preferRelativeResize="0"/>
+          <p:nvPr userDrawn="1"/>
+        </p:nvPicPr>
+        <p:blipFill rotWithShape="1">
+          <a:blip r:embed="rId2">
+            <a:alphaModFix/>
+          </a:blip>
+          <a:srcRect/>
+          <a:stretch/>
+        </p:blipFill>
+        <p:spPr>
+          <a:xfrm>
+            <a:off x="6745451" y="169900"/>
+            <a:ext cx="2238272" cy="454700"/>
+          </a:xfrm>
+          <a:prstGeom prst="rect">
+            <a:avLst/>
+          </a:prstGeom>
+          <a:noFill/>
+          <a:ln>
+            <a:noFill/>
+          </a:ln>
+        </p:spPr>
+      </p:pic>
+      <p:sp>
+        <p:nvSpPr>
+          <p:cNvPr id="19" name="Google Shape;71;p2"/>
+          <p:cNvSpPr txBox="1"/>
+          <p:nvPr userDrawn="1"/>
+        </p:nvSpPr>
+        <p:spPr>
+          <a:xfrm>
+            <a:off x="338400" y="108700"/>
+            <a:ext cx="6671700" cy="497400"/>
+          </a:xfrm>
+          <a:prstGeom prst="rect">
+            <a:avLst/>
+          </a:prstGeom>
+          <a:noFill/>
+          <a:ln>
+            <a:noFill/>
+          </a:ln>
+        </p:spPr>
+        <p:txBody>
+          <a:bodyPr spcFirstLastPara="1" wrap="square" lIns="91425" tIns="91425" rIns="91425" bIns="91425" anchor="t" anchorCtr="0">
+            <a:noAutofit/>
+          </a:bodyPr>
+          <a:lstStyle/>
+          <a:p>
+            <a:pPr marL="0" marR="0" lvl="0" indent="0" algn="l" rtl="0">
+              <a:lnSpc>
+                <a:spcPct val="100000"/>
+              </a:lnSpc>
               <a:spcBef>
                 <a:spcPts val="0"/>
               </a:spcBef>
@@ -614,15 +632,27 @@
                 <a:spcPts val="0"/>
               </a:spcAft>
               <a:buClr>
-                <a:schemeClr val="dk1"/>
+                <a:srgbClr val="000000"/>
               </a:buClr>
-              <a:buSzPts val="1100"/>
+              <a:buSzPts val="1200"/>
               <a:buFont typeface="Arial"/>
               <a:buNone/>
             </a:pPr>
-            <a:endParaRPr sz="2400" b="1" dirty="0">
+            <a:r>
+              <a:rPr lang="en" sz="1200" b="0" i="0" u="none" strike="noStrike" cap="none">
+                <a:solidFill>
+                  <a:srgbClr val="008C95"/>
+                </a:solidFill>
+                <a:latin typeface="Poppins"/>
+                <a:ea typeface="Poppins"/>
+                <a:cs typeface="Poppins"/>
+                <a:sym typeface="Poppins"/>
+              </a:rPr>
+              <a:t>CHANDLER-GILBERT COMMUNITY COLLEGE COMMENCEMENT SPRING 2021</a:t>
+            </a:r>
+            <a:endParaRPr sz="1200" b="0" i="0" u="none" strike="noStrike" cap="none">
               <a:solidFill>
-                <a:srgbClr val="F3D54E"/>
+                <a:srgbClr val="008C95"/>
               </a:solidFill>
               <a:latin typeface="Poppins"/>
               <a:ea typeface="Poppins"/>
@@ -634,167 +664,63 @@
       </p:sp>
       <p:sp>
         <p:nvSpPr>
-          <p:cNvPr id="15" name="Google Shape;55;p13"/>
-          <p:cNvSpPr txBox="1"/>
+          <p:cNvPr id="20" name="Google Shape;70;p2"/>
+          <p:cNvSpPr/>
           <p:nvPr userDrawn="1"/>
         </p:nvSpPr>
         <p:spPr>
           <a:xfrm>
-            <a:off x="-25250" y="0"/>
-            <a:ext cx="9182100" cy="590400"/>
+            <a:off x="0" y="4900800"/>
+            <a:ext cx="9144000" cy="242700"/>
           </a:xfrm>
           <a:prstGeom prst="rect">
             <a:avLst/>
           </a:prstGeom>
-          <a:noFill/>
-          <a:ln>
-            <a:noFill/>
+          <a:solidFill>
+            <a:srgbClr val="008C95"/>
+          </a:solidFill>
+          <a:ln w="9525" cap="flat" cmpd="sng">
+            <a:solidFill>
+              <a:srgbClr val="008C95"/>
+            </a:solidFill>
+            <a:prstDash val="solid"/>
+            <a:round/>
+            <a:headEnd type="none" w="sm" len="sm"/>
+            <a:tailEnd type="none" w="sm" len="sm"/>
           </a:ln>
         </p:spPr>
         <p:txBody>
-          <a:bodyPr spcFirstLastPara="1" wrap="square" lIns="91425" tIns="91425" rIns="91425" bIns="91425" anchor="t" anchorCtr="0">
+          <a:bodyPr spcFirstLastPara="1" wrap="square" lIns="91425" tIns="91425" rIns="91425" bIns="91425" anchor="ctr" anchorCtr="0">
             <a:noAutofit/>
           </a:bodyPr>
           <a:lstStyle/>
           <a:p>
-            <a:pPr marL="0" lvl="0" indent="0" algn="ctr" rtl="0">
+            <a:pPr marL="0" marR="0" lvl="0" indent="0" algn="l" rtl="0">
+              <a:lnSpc>
+                <a:spcPct val="100000"/>
+              </a:lnSpc>
               <a:spcBef>
                 <a:spcPts val="0"/>
               </a:spcBef>
               <a:spcAft>
                 <a:spcPts val="0"/>
               </a:spcAft>
+              <a:buClr>
+                <a:srgbClr val="000000"/>
+              </a:buClr>
+              <a:buSzPts val="1400"/>
+              <a:buFont typeface="Arial"/>
               <a:buNone/>
             </a:pPr>
-            <a:r>
-              <a:rPr lang="en" sz="2400" b="1" dirty="0">
-                <a:solidFill>
-                  <a:srgbClr val="F3D54E"/>
-                </a:solidFill>
-                <a:latin typeface="Poppins"/>
-                <a:ea typeface="Poppins"/>
-                <a:cs typeface="Poppins"/>
-                <a:sym typeface="Poppins"/>
-              </a:rPr>
-              <a:t>#UTULSA  #UTULSAALUMNI   #WEDIDIT!</a:t>
-            </a:r>
-            <a:endParaRPr sz="2400" b="1" dirty="0">
+            <a:endParaRPr sz="1400" b="0" i="0" u="none" strike="noStrike" cap="none">
               <a:solidFill>
-                <a:srgbClr val="F3D54E"/>
+                <a:srgbClr val="000000"/>
               </a:solidFill>
-              <a:latin typeface="Poppins"/>
-              <a:ea typeface="Poppins"/>
-              <a:cs typeface="Poppins"/>
-              <a:sym typeface="Poppins"/>
+              <a:latin typeface="Arial"/>
+              <a:ea typeface="Arial"/>
+              <a:cs typeface="Arial"/>
+              <a:sym typeface="Arial"/>
             </a:endParaRPr>
-          </a:p>
-        </p:txBody>
-      </p:sp>
-      <p:sp>
-        <p:nvSpPr>
-          <p:cNvPr id="16" name="Google Shape;60;p13"/>
-          <p:cNvSpPr txBox="1"/>
-          <p:nvPr userDrawn="1"/>
-        </p:nvSpPr>
-        <p:spPr>
-          <a:xfrm>
-            <a:off x="2690236" y="1874833"/>
-            <a:ext cx="3820781" cy="352226"/>
-          </a:xfrm>
-          <a:prstGeom prst="rect">
-            <a:avLst/>
-          </a:prstGeom>
-          <a:noFill/>
-          <a:ln>
-            <a:noFill/>
-          </a:ln>
-        </p:spPr>
-        <p:txBody>
-          <a:bodyPr spcFirstLastPara="1" wrap="square" lIns="91425" tIns="91425" rIns="91425" bIns="91425" anchor="t" anchorCtr="0">
-            <a:noAutofit/>
-          </a:bodyPr>
-          <a:lstStyle/>
-          <a:p>
-            <a:pPr marL="0" lvl="0" indent="0" algn="l" rtl="0">
-              <a:spcBef>
-                <a:spcPts val="0"/>
-              </a:spcBef>
-              <a:spcAft>
-                <a:spcPts val="0"/>
-              </a:spcAft>
-              <a:buNone/>
-            </a:pPr>
-            <a:r>
-              <a:rPr lang="en" sz="1600" b="1" dirty="0">
-                <a:solidFill>
-                  <a:srgbClr val="F3D54E"/>
-                </a:solidFill>
-                <a:latin typeface="Poppins"/>
-                <a:ea typeface="Poppins"/>
-                <a:cs typeface="Poppins"/>
-                <a:sym typeface="Poppins"/>
-              </a:rPr>
-              <a:t>MAJOR:</a:t>
-            </a:r>
-            <a:endParaRPr sz="1600" b="1" dirty="0">
-              <a:solidFill>
-                <a:srgbClr val="F3D54E"/>
-              </a:solidFill>
-              <a:latin typeface="Poppins"/>
-              <a:ea typeface="Poppins"/>
-              <a:cs typeface="Poppins"/>
-              <a:sym typeface="Poppins"/>
-            </a:endParaRPr>
-          </a:p>
-        </p:txBody>
-      </p:sp>
-      <p:sp>
-        <p:nvSpPr>
-          <p:cNvPr id="17" name="Google Shape;61;p13"/>
-          <p:cNvSpPr txBox="1"/>
-          <p:nvPr userDrawn="1"/>
-        </p:nvSpPr>
-        <p:spPr>
-          <a:xfrm>
-            <a:off x="2686201" y="3158253"/>
-            <a:ext cx="1733400" cy="408072"/>
-          </a:xfrm>
-          <a:prstGeom prst="rect">
-            <a:avLst/>
-          </a:prstGeom>
-          <a:noFill/>
-          <a:ln>
-            <a:noFill/>
-          </a:ln>
-        </p:spPr>
-        <p:txBody>
-          <a:bodyPr spcFirstLastPara="1" wrap="square" lIns="91425" tIns="91425" rIns="91425" bIns="91425" anchor="t" anchorCtr="0">
-            <a:noAutofit/>
-          </a:bodyPr>
-          <a:lstStyle/>
-          <a:p>
-            <a:pPr marL="0" lvl="0" indent="0" algn="l" rtl="0">
-              <a:spcBef>
-                <a:spcPts val="0"/>
-              </a:spcBef>
-              <a:spcAft>
-                <a:spcPts val="0"/>
-              </a:spcAft>
-              <a:buNone/>
-            </a:pPr>
-            <a:r>
-              <a:rPr lang="en" sz="1600" b="1" dirty="0">
-                <a:solidFill>
-                  <a:srgbClr val="F3D54E"/>
-                </a:solidFill>
-                <a:latin typeface="Poppins"/>
-                <a:ea typeface="Poppins"/>
-                <a:cs typeface="Poppins"/>
-                <a:sym typeface="Poppins"/>
-              </a:rPr>
-              <a:t>HONORS:</a:t>
-            </a:r>
-            <a:endParaRPr dirty="0"/>
           </a:p>
         </p:txBody>
       </p:sp>
@@ -817,7 +743,7 @@
     <p:bg>
       <p:bgPr>
         <a:solidFill>
-          <a:srgbClr val="002D72"/>
+          <a:schemeClr val="tx1"/>
         </a:solidFill>
         <a:effectLst/>
       </p:bgPr>
@@ -841,7 +767,7 @@
           <p:cNvPr id="2" name="Title Placeholder 1">
             <a:extLst>
               <a:ext uri="{FF2B5EF4-FFF2-40B4-BE49-F238E27FC236}">
-                <a16:creationId xmlns:a16="http://schemas.microsoft.com/office/drawing/2014/main" xmlns="" id="{40F91CBD-F8B1-4B0C-A97E-A24AB34A704A}"/>
+                <a16:creationId xmlns="" xmlns:a16="http://schemas.microsoft.com/office/drawing/2014/main" id="{40F91CBD-F8B1-4B0C-A97E-A24AB34A704A}"/>
               </a:ext>
             </a:extLst>
           </p:cNvPr>
@@ -879,7 +805,7 @@
           <p:cNvPr id="3" name="Text Placeholder 2">
             <a:extLst>
               <a:ext uri="{FF2B5EF4-FFF2-40B4-BE49-F238E27FC236}">
-                <a16:creationId xmlns:a16="http://schemas.microsoft.com/office/drawing/2014/main" xmlns="" id="{7C0120F0-DF54-454D-BF7B-324126559539}"/>
+                <a16:creationId xmlns="" xmlns:a16="http://schemas.microsoft.com/office/drawing/2014/main" id="{7C0120F0-DF54-454D-BF7B-324126559539}"/>
               </a:ext>
             </a:extLst>
           </p:cNvPr>
@@ -965,7 +891,7 @@
         <a:buNone/>
         <a:defRPr sz="3300" kern="1200">
           <a:solidFill>
-            <a:schemeClr val="tx1"/>
+            <a:srgbClr val="666666"/>
           </a:solidFill>
           <a:latin typeface="Georgia" panose="02040502050405020303" pitchFamily="18" charset="0"/>
           <a:ea typeface="+mj-ea"/>
@@ -985,7 +911,7 @@
         <a:buNone/>
         <a:defRPr sz="2100" kern="1200">
           <a:solidFill>
-            <a:schemeClr val="tx1"/>
+            <a:srgbClr val="666666"/>
           </a:solidFill>
           <a:latin typeface="+mn-lt"/>
           <a:ea typeface="+mn-ea"/>
@@ -1003,7 +929,7 @@
         <a:buNone/>
         <a:defRPr sz="1800" kern="1200">
           <a:solidFill>
-            <a:schemeClr val="tx1"/>
+            <a:srgbClr val="666666"/>
           </a:solidFill>
           <a:latin typeface="+mn-lt"/>
           <a:ea typeface="+mn-ea"/>
@@ -1021,7 +947,7 @@
         <a:buNone/>
         <a:defRPr sz="1500" kern="1200">
           <a:solidFill>
-            <a:schemeClr val="tx1"/>
+            <a:srgbClr val="666666"/>
           </a:solidFill>
           <a:latin typeface="+mn-lt"/>
           <a:ea typeface="+mn-ea"/>
@@ -1039,7 +965,7 @@
         <a:buNone/>
         <a:defRPr sz="1350" kern="1200">
           <a:solidFill>
-            <a:schemeClr val="tx1"/>
+            <a:srgbClr val="666666"/>
           </a:solidFill>
           <a:latin typeface="+mn-lt"/>
           <a:ea typeface="+mn-ea"/>
@@ -1057,7 +983,7 @@
         <a:buNone/>
         <a:defRPr sz="1350" kern="1200">
           <a:solidFill>
-            <a:schemeClr val="tx1"/>
+            <a:srgbClr val="666666"/>
           </a:solidFill>
           <a:latin typeface="+mn-lt"/>
           <a:ea typeface="+mn-ea"/>
@@ -1386,8 +1312,8 @@
         </p:blipFill>
         <p:spPr>
           <a:xfrm>
-            <a:off x="341643" y="1232353"/>
-            <a:ext cx="2130251" cy="2842307"/>
+            <a:off x="5727560" y="1162249"/>
+            <a:ext cx="2632669" cy="3178840"/>
           </a:xfrm>
         </p:spPr>
       </p:pic>
@@ -1407,7 +1333,7 @@
           <a:lstStyle/>
           <a:p>
             <a:r>
-              <a:t>Magna Cum Laude</a:t>
+              <a:t>recommended character limit of 150 characters to maintain formatting consistency and readability</a:t>
             </a:r>
           </a:p>
         </p:txBody>
@@ -1547,8 +1473,8 @@
         </p:blipFill>
         <p:spPr>
           <a:xfrm>
-            <a:off x="341643" y="1801290"/>
-            <a:ext cx="2130251" cy="1704434"/>
+            <a:off x="5727560" y="1698458"/>
+            <a:ext cx="2632669" cy="2106423"/>
           </a:xfrm>
         </p:spPr>
       </p:pic>
@@ -1568,7 +1494,7 @@
           <a:lstStyle/>
           <a:p>
             <a:r>
-              <a:t>Cum Laude</a:t>
+              <a:t>recommended character limit of 150 characters to maintain formatting consistency and readability</a:t>
             </a:r>
           </a:p>
         </p:txBody>
@@ -1747,8 +1673,8 @@
         </p:blipFill>
         <p:spPr>
           <a:xfrm>
-            <a:off x="341643" y="1233340"/>
-            <a:ext cx="2130251" cy="2840334"/>
+            <a:off x="5727560" y="996557"/>
+            <a:ext cx="2632669" cy="3510225"/>
           </a:xfrm>
         </p:spPr>
       </p:pic>
@@ -1768,7 +1694,7 @@
           <a:lstStyle/>
           <a:p>
             <a:r>
-              <a:t>Summa Cum Laude</a:t>
+              <a:t>recommended character limit of 150 characters to maintain formatting consistency and readability</a:t>
             </a:r>
           </a:p>
         </p:txBody>
@@ -1908,8 +1834,8 @@
         </p:blipFill>
         <p:spPr>
           <a:xfrm>
-            <a:off x="341643" y="1232353"/>
-            <a:ext cx="2130251" cy="2842307"/>
+            <a:off x="5727560" y="1162249"/>
+            <a:ext cx="2632669" cy="3178840"/>
           </a:xfrm>
         </p:spPr>
       </p:pic>
@@ -1929,7 +1855,7 @@
           <a:lstStyle/>
           <a:p>
             <a:r>
-              <a:t>Magna Cum Laude</a:t>
+              <a:t>recommended character limit of 150 characters to maintain formatting consistency and readability</a:t>
             </a:r>
           </a:p>
         </p:txBody>
@@ -2069,8 +1995,8 @@
         </p:blipFill>
         <p:spPr>
           <a:xfrm>
-            <a:off x="341643" y="1232353"/>
-            <a:ext cx="2130251" cy="2842307"/>
+            <a:off x="5727560" y="1162249"/>
+            <a:ext cx="2632669" cy="3178840"/>
           </a:xfrm>
         </p:spPr>
       </p:pic>
@@ -2090,7 +2016,7 @@
           <a:lstStyle/>
           <a:p>
             <a:r>
-              <a:t>Cum Laude</a:t>
+              <a:t>recommended character limit of 150 characters to maintain formatting consistency and readability</a:t>
             </a:r>
           </a:p>
         </p:txBody>
@@ -2230,8 +2156,8 @@
         </p:blipFill>
         <p:spPr>
           <a:xfrm>
-            <a:off x="341643" y="1232353"/>
-            <a:ext cx="2130251" cy="2842307"/>
+            <a:off x="5727560" y="1162249"/>
+            <a:ext cx="2632669" cy="3178840"/>
           </a:xfrm>
         </p:spPr>
       </p:pic>
@@ -2251,7 +2177,7 @@
           <a:lstStyle/>
           <a:p>
             <a:r>
-              <a:t>Cum Laude</a:t>
+              <a:t>recommended character limit of 150 characters to maintain formatting consistency and readability</a:t>
             </a:r>
           </a:p>
         </p:txBody>
@@ -2391,8 +2317,8 @@
         </p:blipFill>
         <p:spPr>
           <a:xfrm>
-            <a:off x="341643" y="1232353"/>
-            <a:ext cx="2130251" cy="2842307"/>
+            <a:off x="5727560" y="1162249"/>
+            <a:ext cx="2632669" cy="3178840"/>
           </a:xfrm>
         </p:spPr>
       </p:pic>
@@ -2410,7 +2336,11 @@
         <p:txBody>
           <a:bodyPr/>
           <a:lstStyle/>
-          <a:p/>
+          <a:p>
+            <a:r>
+              <a:t>recommended character limit of 150 characters to maintain formatting consistency and readability</a:t>
+            </a:r>
+          </a:p>
         </p:txBody>
       </p:sp>
       <p:pic>
@@ -2548,8 +2478,8 @@
         </p:blipFill>
         <p:spPr>
           <a:xfrm>
-            <a:off x="341643" y="1232353"/>
-            <a:ext cx="2130251" cy="2842307"/>
+            <a:off x="5727560" y="1162249"/>
+            <a:ext cx="2632669" cy="3178840"/>
           </a:xfrm>
         </p:spPr>
       </p:pic>
@@ -2567,7 +2497,11 @@
         <p:txBody>
           <a:bodyPr/>
           <a:lstStyle/>
-          <a:p/>
+          <a:p>
+            <a:r>
+              <a:t>recommended character limit of 150 characters to maintain formatting consistency and readability</a:t>
+            </a:r>
+          </a:p>
         </p:txBody>
       </p:sp>
       <p:pic>
@@ -2705,8 +2639,8 @@
         </p:blipFill>
         <p:spPr>
           <a:xfrm>
-            <a:off x="341643" y="1232353"/>
-            <a:ext cx="2130251" cy="2842307"/>
+            <a:off x="5727560" y="1162249"/>
+            <a:ext cx="2632669" cy="3178840"/>
           </a:xfrm>
         </p:spPr>
       </p:pic>
@@ -2724,7 +2658,11 @@
         <p:txBody>
           <a:bodyPr/>
           <a:lstStyle/>
-          <a:p/>
+          <a:p>
+            <a:r>
+              <a:t>recommended character limit of 150 characters to maintain formatting consistency and readability</a:t>
+            </a:r>
+          </a:p>
         </p:txBody>
       </p:sp>
       <p:pic>
@@ -2862,8 +2800,8 @@
         </p:blipFill>
         <p:spPr>
           <a:xfrm>
-            <a:off x="341643" y="1635247"/>
-            <a:ext cx="2130251" cy="2036519"/>
+            <a:off x="5727560" y="1493254"/>
+            <a:ext cx="2632669" cy="2516831"/>
           </a:xfrm>
         </p:spPr>
       </p:pic>
@@ -2881,7 +2819,11 @@
         <p:txBody>
           <a:bodyPr/>
           <a:lstStyle/>
-          <a:p/>
+          <a:p>
+            <a:r>
+              <a:t>recommended character limit of 150 characters to maintain formatting consistency and readability</a:t>
+            </a:r>
+          </a:p>
         </p:txBody>
       </p:sp>
       <p:pic>
@@ -3019,8 +2961,8 @@
         </p:blipFill>
         <p:spPr>
           <a:xfrm>
-            <a:off x="341643" y="1232353"/>
-            <a:ext cx="2130251" cy="2842307"/>
+            <a:off x="5727560" y="1162249"/>
+            <a:ext cx="2632669" cy="3178840"/>
           </a:xfrm>
         </p:spPr>
       </p:pic>
@@ -3040,7 +2982,7 @@
           <a:lstStyle/>
           <a:p>
             <a:r>
-              <a:t>Cum Laude</a:t>
+              <a:t>recommended character limit of 150 characters to maintain formatting consistency and readability</a:t>
             </a:r>
           </a:p>
         </p:txBody>
@@ -3180,8 +3122,8 @@
         </p:blipFill>
         <p:spPr>
           <a:xfrm>
-            <a:off x="341643" y="1232353"/>
-            <a:ext cx="2130251" cy="2842307"/>
+            <a:off x="5727560" y="1162249"/>
+            <a:ext cx="2632669" cy="3178840"/>
           </a:xfrm>
         </p:spPr>
       </p:pic>
@@ -3201,7 +3143,7 @@
           <a:lstStyle/>
           <a:p>
             <a:r>
-              <a:t>Summa Cum Laude</a:t>
+              <a:t>recommended character limit of 150 characters to maintain formatting consistency and readability</a:t>
             </a:r>
           </a:p>
         </p:txBody>
@@ -3341,8 +3283,8 @@
         </p:blipFill>
         <p:spPr>
           <a:xfrm>
-            <a:off x="341643" y="1232353"/>
-            <a:ext cx="2130251" cy="2842307"/>
+            <a:off x="5727560" y="1162249"/>
+            <a:ext cx="2632669" cy="3178840"/>
           </a:xfrm>
         </p:spPr>
       </p:pic>
@@ -3362,7 +3304,7 @@
           <a:lstStyle/>
           <a:p>
             <a:r>
-              <a:t>Magna Cum Laude</a:t>
+              <a:t>recommended character limit of 150 characters to maintain formatting consistency and readability</a:t>
             </a:r>
           </a:p>
         </p:txBody>
@@ -3502,8 +3444,8 @@
         </p:blipFill>
         <p:spPr>
           <a:xfrm>
-            <a:off x="341643" y="1801345"/>
-            <a:ext cx="2130251" cy="1704324"/>
+            <a:off x="5727560" y="1698526"/>
+            <a:ext cx="2632669" cy="2106287"/>
           </a:xfrm>
         </p:spPr>
       </p:pic>
@@ -3523,7 +3465,7 @@
           <a:lstStyle/>
           <a:p>
             <a:r>
-              <a:t>Magna Cum Laude</a:t>
+              <a:t>recommended character limit of 150 characters to maintain formatting consistency and readability</a:t>
             </a:r>
           </a:p>
         </p:txBody>

--- a/demo/output/Demo.pptx
+++ b/demo/output/Demo.pptx
@@ -157,7 +157,7 @@
 
 <file path=ppt/slideLayouts/slideLayout1.xml><?xml version="1.0" encoding="utf-8"?>
 <p:sldLayout xmlns:a="http://schemas.openxmlformats.org/drawingml/2006/main" xmlns:r="http://schemas.openxmlformats.org/officeDocument/2006/relationships" xmlns:p="http://schemas.openxmlformats.org/presentationml/2006/main" preserve="1" userDrawn="1">
-  <p:cSld name="Title">
+  <p:cSld name="1_Title">
     <p:bg>
       <p:bgPr>
         <a:solidFill>
@@ -234,7 +234,7 @@
     </p:spTree>
     <p:extLst>
       <p:ext uri="{BB962C8B-B14F-4D97-AF65-F5344CB8AC3E}">
-        <p14:creationId xmlns:p14="http://schemas.microsoft.com/office/powerpoint/2010/main" val="1001605214"/>
+        <p14:creationId xmlns:p14="http://schemas.microsoft.com/office/powerpoint/2010/main" val="3130516522"/>
       </p:ext>
     </p:extLst>
   </p:cSld>
@@ -246,7 +246,7 @@
 
 <file path=ppt/slideLayouts/slideLayout2.xml><?xml version="1.0" encoding="utf-8"?>
 <p:sldLayout xmlns:a="http://schemas.openxmlformats.org/drawingml/2006/main" xmlns:r="http://schemas.openxmlformats.org/officeDocument/2006/relationships" xmlns:p="http://schemas.openxmlformats.org/presentationml/2006/main" preserve="1" userDrawn="1">
-  <p:cSld name="2_Student">
+  <p:cSld name="3_Student">
     <p:bg>
       <p:bgPr>
         <a:solidFill>
@@ -291,10 +291,8 @@
             <a:ext cx="5657223" cy="547662"/>
           </a:xfrm>
           <a:effectLst>
-            <a:outerShdw blurRad="50800" dist="38100" dir="2700000" algn="tl" rotWithShape="0">
-              <a:prstClr val="black">
-                <a:alpha val="40000"/>
-              </a:prstClr>
+            <a:outerShdw sx="1000" sy="1000" algn="tl" rotWithShape="0">
+              <a:prstClr val="black"/>
             </a:outerShdw>
           </a:effectLst>
         </p:spPr>
@@ -341,10 +339,8 @@
             <a:ext cx="5657224" cy="827351"/>
           </a:xfrm>
           <a:effectLst>
-            <a:outerShdw blurRad="50800" dist="38100" dir="2700000" algn="tl" rotWithShape="0">
-              <a:prstClr val="black">
-                <a:alpha val="40000"/>
-              </a:prstClr>
+            <a:outerShdw sx="1000" sy="1000" algn="tl" rotWithShape="0">
+              <a:prstClr val="black"/>
             </a:outerShdw>
           </a:effectLst>
         </p:spPr>
@@ -801,7 +797,7 @@
     </p:spTree>
     <p:extLst>
       <p:ext uri="{BB962C8B-B14F-4D97-AF65-F5344CB8AC3E}">
-        <p14:creationId xmlns:p14="http://schemas.microsoft.com/office/powerpoint/2010/main" val="1113553509"/>
+        <p14:creationId xmlns:p14="http://schemas.microsoft.com/office/powerpoint/2010/main" val="890510513"/>
       </p:ext>
     </p:extLst>
   </p:cSld>
@@ -817,7 +813,7 @@
     <p:bg>
       <p:bgPr>
         <a:solidFill>
-          <a:srgbClr val="002D72"/>
+          <a:srgbClr val="002060"/>
         </a:solidFill>
         <a:effectLst/>
       </p:bgPr>
@@ -841,7 +837,7 @@
           <p:cNvPr id="2" name="Title Placeholder 1">
             <a:extLst>
               <a:ext uri="{FF2B5EF4-FFF2-40B4-BE49-F238E27FC236}">
-                <a16:creationId xmlns:a16="http://schemas.microsoft.com/office/drawing/2014/main" xmlns="" id="{40F91CBD-F8B1-4B0C-A97E-A24AB34A704A}"/>
+                <a16:creationId xmlns="" xmlns:a16="http://schemas.microsoft.com/office/drawing/2014/main" id="{40F91CBD-F8B1-4B0C-A97E-A24AB34A704A}"/>
               </a:ext>
             </a:extLst>
           </p:cNvPr>
@@ -879,7 +875,7 @@
           <p:cNvPr id="3" name="Text Placeholder 2">
             <a:extLst>
               <a:ext uri="{FF2B5EF4-FFF2-40B4-BE49-F238E27FC236}">
-                <a16:creationId xmlns:a16="http://schemas.microsoft.com/office/drawing/2014/main" xmlns="" id="{7C0120F0-DF54-454D-BF7B-324126559539}"/>
+                <a16:creationId xmlns="" xmlns:a16="http://schemas.microsoft.com/office/drawing/2014/main" id="{7C0120F0-DF54-454D-BF7B-324126559539}"/>
               </a:ext>
             </a:extLst>
           </p:cNvPr>
@@ -950,8 +946,8 @@
   </p:cSld>
   <p:clrMap bg1="dk1" tx1="lt1" bg2="dk2" tx2="lt2" accent1="accent1" accent2="accent2" accent3="accent3" accent4="accent4" accent5="accent5" accent6="accent6" hlink="hlink" folHlink="folHlink"/>
   <p:sldLayoutIdLst>
-    <p:sldLayoutId id="2147483693" r:id="rId1"/>
-    <p:sldLayoutId id="2147483710" r:id="rId2"/>
+    <p:sldLayoutId id="2147483712" r:id="rId1"/>
+    <p:sldLayoutId id="2147483711" r:id="rId2"/>
   </p:sldLayoutIdLst>
   <p:txStyles>
     <p:titleStyle>
@@ -1386,8 +1382,8 @@
         </p:blipFill>
         <p:spPr>
           <a:xfrm>
-            <a:off x="341643" y="1232353"/>
-            <a:ext cx="2130251" cy="2842307"/>
+            <a:off x="341643" y="1253545"/>
+            <a:ext cx="2130251" cy="2799923"/>
           </a:xfrm>
         </p:spPr>
       </p:pic>
@@ -1908,8 +1904,8 @@
         </p:blipFill>
         <p:spPr>
           <a:xfrm>
-            <a:off x="341643" y="1232353"/>
-            <a:ext cx="2130251" cy="2842307"/>
+            <a:off x="341643" y="1253545"/>
+            <a:ext cx="2130251" cy="2799923"/>
           </a:xfrm>
         </p:spPr>
       </p:pic>
@@ -2069,8 +2065,8 @@
         </p:blipFill>
         <p:spPr>
           <a:xfrm>
-            <a:off x="341643" y="1232353"/>
-            <a:ext cx="2130251" cy="2842307"/>
+            <a:off x="341643" y="1253545"/>
+            <a:ext cx="2130251" cy="2799923"/>
           </a:xfrm>
         </p:spPr>
       </p:pic>
@@ -2230,8 +2226,8 @@
         </p:blipFill>
         <p:spPr>
           <a:xfrm>
-            <a:off x="341643" y="1232353"/>
-            <a:ext cx="2130251" cy="2842307"/>
+            <a:off x="341643" y="1253545"/>
+            <a:ext cx="2130251" cy="2799923"/>
           </a:xfrm>
         </p:spPr>
       </p:pic>
@@ -2391,8 +2387,8 @@
         </p:blipFill>
         <p:spPr>
           <a:xfrm>
-            <a:off x="341643" y="1232353"/>
-            <a:ext cx="2130251" cy="2842307"/>
+            <a:off x="341643" y="1253545"/>
+            <a:ext cx="2130251" cy="2799923"/>
           </a:xfrm>
         </p:spPr>
       </p:pic>
@@ -2548,8 +2544,8 @@
         </p:blipFill>
         <p:spPr>
           <a:xfrm>
-            <a:off x="341643" y="1232353"/>
-            <a:ext cx="2130251" cy="2842307"/>
+            <a:off x="341643" y="1253545"/>
+            <a:ext cx="2130251" cy="2799923"/>
           </a:xfrm>
         </p:spPr>
       </p:pic>
@@ -2705,8 +2701,8 @@
         </p:blipFill>
         <p:spPr>
           <a:xfrm>
-            <a:off x="341643" y="1232353"/>
-            <a:ext cx="2130251" cy="2842307"/>
+            <a:off x="341643" y="1253545"/>
+            <a:ext cx="2130251" cy="2799923"/>
           </a:xfrm>
         </p:spPr>
       </p:pic>
@@ -3019,8 +3015,8 @@
         </p:blipFill>
         <p:spPr>
           <a:xfrm>
-            <a:off x="341643" y="1232353"/>
-            <a:ext cx="2130251" cy="2842307"/>
+            <a:off x="341643" y="1253545"/>
+            <a:ext cx="2130251" cy="2799923"/>
           </a:xfrm>
         </p:spPr>
       </p:pic>
@@ -3180,8 +3176,8 @@
         </p:blipFill>
         <p:spPr>
           <a:xfrm>
-            <a:off x="341643" y="1232353"/>
-            <a:ext cx="2130251" cy="2842307"/>
+            <a:off x="341643" y="1253545"/>
+            <a:ext cx="2130251" cy="2799923"/>
           </a:xfrm>
         </p:spPr>
       </p:pic>
@@ -3341,8 +3337,8 @@
         </p:blipFill>
         <p:spPr>
           <a:xfrm>
-            <a:off x="341643" y="1232353"/>
-            <a:ext cx="2130251" cy="2842307"/>
+            <a:off x="341643" y="1253545"/>
+            <a:ext cx="2130251" cy="2799923"/>
           </a:xfrm>
         </p:spPr>
       </p:pic>
